--- a/Semana_3/Estado del Arte.pptx
+++ b/Semana_3/Estado del Arte.pptx
@@ -5,10 +5,10 @@
     <p:sldMasterId id="2147483778" r:id="rId4"/>
   </p:sldMasterIdLst>
   <p:notesMasterIdLst>
-    <p:notesMasterId r:id="rId22"/>
+    <p:notesMasterId r:id="rId23"/>
   </p:notesMasterIdLst>
   <p:handoutMasterIdLst>
-    <p:handoutMasterId r:id="rId23"/>
+    <p:handoutMasterId r:id="rId24"/>
   </p:handoutMasterIdLst>
   <p:sldIdLst>
     <p:sldId id="256" r:id="rId5"/>
@@ -28,6 +28,7 @@
     <p:sldId id="296" r:id="rId19"/>
     <p:sldId id="287" r:id="rId20"/>
     <p:sldId id="288" r:id="rId21"/>
+    <p:sldId id="297" r:id="rId22"/>
   </p:sldIdLst>
   <p:sldSz cx="9144000" cy="6858000" type="letter"/>
   <p:notesSz cx="6858000" cy="9144000"/>
@@ -148,6 +149,7 @@
             <p14:sldId id="296"/>
             <p14:sldId id="287"/>
             <p14:sldId id="288"/>
+            <p14:sldId id="297"/>
           </p14:sldIdLst>
         </p14:section>
       </p14:sectionLst>
@@ -291,8 +293,8 @@
   </pc:docChgLst>
   <pc:docChgLst>
     <pc:chgData name="JHEYSON FABIAN VILLAVISAN BUITRAGO" userId="e5ced5c2-d787-455d-b115-4f08a699b8c8" providerId="ADAL" clId="{CBCE9675-5085-405C-88A0-1B2DA7CBC66D}"/>
-    <pc:docChg chg="addSld delSld modSld modSection">
-      <pc:chgData name="JHEYSON FABIAN VILLAVISAN BUITRAGO" userId="e5ced5c2-d787-455d-b115-4f08a699b8c8" providerId="ADAL" clId="{CBCE9675-5085-405C-88A0-1B2DA7CBC66D}" dt="2025-01-23T02:33:30.131" v="4" actId="20577"/>
+    <pc:docChg chg="custSel addSld delSld modSld modSection">
+      <pc:chgData name="JHEYSON FABIAN VILLAVISAN BUITRAGO" userId="e5ced5c2-d787-455d-b115-4f08a699b8c8" providerId="ADAL" clId="{CBCE9675-5085-405C-88A0-1B2DA7CBC66D}" dt="2025-01-24T15:10:50.083" v="138" actId="20577"/>
       <pc:docMkLst>
         <pc:docMk/>
       </pc:docMkLst>
@@ -323,6 +325,21 @@
             <pc:docMk/>
             <pc:sldMk cId="2505371292" sldId="270"/>
             <ac:spMk id="11266" creationId="{74AD047A-E86C-4E92-874D-BAA043AB0B46}"/>
+          </ac:spMkLst>
+        </pc:spChg>
+      </pc:sldChg>
+      <pc:sldChg chg="modSp add mod">
+        <pc:chgData name="JHEYSON FABIAN VILLAVISAN BUITRAGO" userId="e5ced5c2-d787-455d-b115-4f08a699b8c8" providerId="ADAL" clId="{CBCE9675-5085-405C-88A0-1B2DA7CBC66D}" dt="2025-01-24T15:10:50.083" v="138" actId="20577"/>
+        <pc:sldMkLst>
+          <pc:docMk/>
+          <pc:sldMk cId="3484515760" sldId="297"/>
+        </pc:sldMkLst>
+        <pc:spChg chg="mod">
+          <ac:chgData name="JHEYSON FABIAN VILLAVISAN BUITRAGO" userId="e5ced5c2-d787-455d-b115-4f08a699b8c8" providerId="ADAL" clId="{CBCE9675-5085-405C-88A0-1B2DA7CBC66D}" dt="2025-01-24T15:10:50.083" v="138" actId="20577"/>
+          <ac:spMkLst>
+            <pc:docMk/>
+            <pc:sldMk cId="3484515760" sldId="297"/>
+            <ac:spMk id="3" creationId="{B3C4390B-8F72-81B7-3242-7A760673E1EF}"/>
           </ac:spMkLst>
         </pc:spChg>
       </pc:sldChg>
@@ -1282,7 +1299,7 @@
               <a:pPr>
                 <a:defRPr/>
               </a:pPr>
-              <a:t>22/01/2025</a:t>
+              <a:t>24/01/2025</a:t>
             </a:fld>
             <a:endParaRPr lang="es-CO"/>
           </a:p>
@@ -1525,7 +1542,7 @@
               <a:pPr>
                 <a:defRPr/>
               </a:pPr>
-              <a:t>22/01/2025</a:t>
+              <a:t>24/01/2025</a:t>
             </a:fld>
             <a:endParaRPr lang="es-CO"/>
           </a:p>
@@ -2787,7 +2804,7 @@
           <a:p>
             <a:fld id="{9CF7635E-2D71-42E7-9E6C-FBB85A15A85F}" type="datetimeFigureOut">
               <a:rPr lang="es-CO" smtClean="0"/>
-              <a:t>22/01/2025</a:t>
+              <a:t>24/01/2025</a:t>
             </a:fld>
             <a:endParaRPr lang="es-CO"/>
           </a:p>
@@ -3053,7 +3070,7 @@
           <a:p>
             <a:fld id="{9CF7635E-2D71-42E7-9E6C-FBB85A15A85F}" type="datetimeFigureOut">
               <a:rPr lang="es-CO" smtClean="0"/>
-              <a:t>22/01/2025</a:t>
+              <a:t>24/01/2025</a:t>
             </a:fld>
             <a:endParaRPr lang="es-CO"/>
           </a:p>
@@ -3269,7 +3286,7 @@
           <a:p>
             <a:fld id="{9CF7635E-2D71-42E7-9E6C-FBB85A15A85F}" type="datetimeFigureOut">
               <a:rPr lang="es-CO" smtClean="0"/>
-              <a:t>22/01/2025</a:t>
+              <a:t>24/01/2025</a:t>
             </a:fld>
             <a:endParaRPr lang="es-CO"/>
           </a:p>
@@ -4898,7 +4915,7 @@
           <a:p>
             <a:fld id="{9CF7635E-2D71-42E7-9E6C-FBB85A15A85F}" type="datetimeFigureOut">
               <a:rPr lang="es-CO" smtClean="0"/>
-              <a:t>22/01/2025</a:t>
+              <a:t>24/01/2025</a:t>
             </a:fld>
             <a:endParaRPr lang="es-CO"/>
           </a:p>
@@ -5345,7 +5362,7 @@
           <a:p>
             <a:fld id="{9CF7635E-2D71-42E7-9E6C-FBB85A15A85F}" type="datetimeFigureOut">
               <a:rPr lang="es-CO" smtClean="0"/>
-              <a:t>22/01/2025</a:t>
+              <a:t>24/01/2025</a:t>
             </a:fld>
             <a:endParaRPr lang="es-CO"/>
           </a:p>
@@ -5619,7 +5636,7 @@
           <a:p>
             <a:fld id="{9CF7635E-2D71-42E7-9E6C-FBB85A15A85F}" type="datetimeFigureOut">
               <a:rPr lang="es-CO" smtClean="0"/>
-              <a:t>22/01/2025</a:t>
+              <a:t>24/01/2025</a:t>
             </a:fld>
             <a:endParaRPr lang="es-CO"/>
           </a:p>
@@ -6040,7 +6057,7 @@
           <a:p>
             <a:fld id="{9CF7635E-2D71-42E7-9E6C-FBB85A15A85F}" type="datetimeFigureOut">
               <a:rPr lang="es-CO" smtClean="0"/>
-              <a:t>22/01/2025</a:t>
+              <a:t>24/01/2025</a:t>
             </a:fld>
             <a:endParaRPr lang="es-CO"/>
           </a:p>
@@ -6188,7 +6205,7 @@
           <a:p>
             <a:fld id="{9CF7635E-2D71-42E7-9E6C-FBB85A15A85F}" type="datetimeFigureOut">
               <a:rPr lang="es-CO" smtClean="0"/>
-              <a:t>22/01/2025</a:t>
+              <a:t>24/01/2025</a:t>
             </a:fld>
             <a:endParaRPr lang="es-CO"/>
           </a:p>
@@ -6307,7 +6324,7 @@
           <a:p>
             <a:fld id="{9CF7635E-2D71-42E7-9E6C-FBB85A15A85F}" type="datetimeFigureOut">
               <a:rPr lang="es-CO" smtClean="0"/>
-              <a:t>22/01/2025</a:t>
+              <a:t>24/01/2025</a:t>
             </a:fld>
             <a:endParaRPr lang="es-CO"/>
           </a:p>
@@ -6626,7 +6643,7 @@
           <a:p>
             <a:fld id="{9CF7635E-2D71-42E7-9E6C-FBB85A15A85F}" type="datetimeFigureOut">
               <a:rPr lang="es-CO" smtClean="0"/>
-              <a:t>22/01/2025</a:t>
+              <a:t>24/01/2025</a:t>
             </a:fld>
             <a:endParaRPr lang="es-CO"/>
           </a:p>
@@ -6921,7 +6938,7 @@
           <a:p>
             <a:fld id="{9CF7635E-2D71-42E7-9E6C-FBB85A15A85F}" type="datetimeFigureOut">
               <a:rPr lang="es-CO" smtClean="0"/>
-              <a:t>22/01/2025</a:t>
+              <a:t>24/01/2025</a:t>
             </a:fld>
             <a:endParaRPr lang="es-CO"/>
           </a:p>
@@ -7170,7 +7187,7 @@
           <a:p>
             <a:fld id="{9CF7635E-2D71-42E7-9E6C-FBB85A15A85F}" type="datetimeFigureOut">
               <a:rPr lang="es-CO" smtClean="0"/>
-              <a:t>22/01/2025</a:t>
+              <a:t>24/01/2025</a:t>
             </a:fld>
             <a:endParaRPr lang="es-CO"/>
           </a:p>
@@ -15749,6 +15766,1008 @@
     <p:extLst>
       <p:ext uri="{BB962C8B-B14F-4D97-AF65-F5344CB8AC3E}">
         <p14:creationId xmlns:p14="http://schemas.microsoft.com/office/powerpoint/2010/main" val="121694325"/>
+      </p:ext>
+    </p:extLst>
+  </p:cSld>
+  <p:clrMapOvr>
+    <a:masterClrMapping/>
+  </p:clrMapOvr>
+</p:sld>
+</file>
+
+<file path=ppt/slides/slide18.xml><?xml version="1.0" encoding="utf-8"?>
+<p:sld xmlns:a="http://schemas.openxmlformats.org/drawingml/2006/main" xmlns:r="http://schemas.openxmlformats.org/officeDocument/2006/relationships" xmlns:p="http://schemas.openxmlformats.org/presentationml/2006/main">
+  <p:cSld>
+    <p:spTree>
+      <p:nvGrpSpPr>
+        <p:cNvPr id="1" name="">
+          <a:extLst>
+            <a:ext uri="{FF2B5EF4-FFF2-40B4-BE49-F238E27FC236}">
+              <a16:creationId xmlns:a16="http://schemas.microsoft.com/office/drawing/2014/main" id="{775BDA22-9204-5681-E5E6-22B2ACBC74C0}"/>
+            </a:ext>
+          </a:extLst>
+        </p:cNvPr>
+        <p:cNvGrpSpPr/>
+        <p:nvPr/>
+      </p:nvGrpSpPr>
+      <p:grpSpPr>
+        <a:xfrm>
+          <a:off x="0" y="0"/>
+          <a:ext cx="0" cy="0"/>
+          <a:chOff x="0" y="0"/>
+          <a:chExt cx="0" cy="0"/>
+        </a:xfrm>
+      </p:grpSpPr>
+      <p:sp>
+        <p:nvSpPr>
+          <p:cNvPr id="10" name="1 Título">
+            <a:extLst>
+              <a:ext uri="{FF2B5EF4-FFF2-40B4-BE49-F238E27FC236}">
+                <a16:creationId xmlns:a16="http://schemas.microsoft.com/office/drawing/2014/main" id="{1A6F96EF-F1BB-9B5D-807D-B1D9BC45612F}"/>
+              </a:ext>
+            </a:extLst>
+          </p:cNvPr>
+          <p:cNvSpPr txBox="1">
+            <a:spLocks/>
+          </p:cNvSpPr>
+          <p:nvPr/>
+        </p:nvSpPr>
+        <p:spPr bwMode="auto">
+          <a:xfrm>
+            <a:off x="0" y="-28575"/>
+            <a:ext cx="779463" cy="720725"/>
+          </a:xfrm>
+          <a:prstGeom prst="rect">
+            <a:avLst/>
+          </a:prstGeom>
+          <a:noFill/>
+          <a:ln>
+            <a:noFill/>
+          </a:ln>
+          <a:extLst>
+            <a:ext uri="{909E8E84-426E-40DD-AFC4-6F175D3DCCD1}">
+              <a14:hiddenFill xmlns:a14="http://schemas.microsoft.com/office/drawing/2010/main">
+                <a:solidFill>
+                  <a:srgbClr val="FFFFFF"/>
+                </a:solidFill>
+              </a14:hiddenFill>
+            </a:ext>
+            <a:ext uri="{91240B29-F687-4F45-9708-019B960494DF}">
+              <a14:hiddenLine xmlns:a14="http://schemas.microsoft.com/office/drawing/2010/main" w="9525">
+                <a:solidFill>
+                  <a:srgbClr val="000000"/>
+                </a:solidFill>
+                <a:miter lim="800000"/>
+                <a:headEnd/>
+                <a:tailEnd/>
+              </a14:hiddenLine>
+            </a:ext>
+          </a:extLst>
+        </p:spPr>
+        <p:txBody>
+          <a:bodyPr vert="horz" wrap="square" lIns="91440" tIns="45720" rIns="91440" bIns="45720" numCol="1" anchor="b" anchorCtr="0" compatLnSpc="1">
+            <a:prstTxWarp prst="textNoShape">
+              <a:avLst/>
+            </a:prstTxWarp>
+          </a:bodyPr>
+          <a:lstStyle>
+            <a:lvl1pPr algn="l" rtl="0" eaLnBrk="0" fontAlgn="base" hangingPunct="0">
+              <a:spcBef>
+                <a:spcPct val="0"/>
+              </a:spcBef>
+              <a:spcAft>
+                <a:spcPct val="0"/>
+              </a:spcAft>
+              <a:defRPr sz="2000" b="1" kern="1200">
+                <a:solidFill>
+                  <a:schemeClr val="tx1"/>
+                </a:solidFill>
+                <a:latin typeface="Arial" pitchFamily="34" charset="0"/>
+                <a:ea typeface="+mj-ea"/>
+                <a:cs typeface="Arial" pitchFamily="34" charset="0"/>
+              </a:defRPr>
+            </a:lvl1pPr>
+            <a:lvl2pPr algn="l" rtl="0" eaLnBrk="0" fontAlgn="base" hangingPunct="0">
+              <a:spcBef>
+                <a:spcPct val="0"/>
+              </a:spcBef>
+              <a:spcAft>
+                <a:spcPct val="0"/>
+              </a:spcAft>
+              <a:defRPr sz="4400">
+                <a:solidFill>
+                  <a:schemeClr val="tx1"/>
+                </a:solidFill>
+                <a:latin typeface="Arial" charset="0"/>
+                <a:cs typeface="Arial" charset="0"/>
+              </a:defRPr>
+            </a:lvl2pPr>
+            <a:lvl3pPr algn="l" rtl="0" eaLnBrk="0" fontAlgn="base" hangingPunct="0">
+              <a:spcBef>
+                <a:spcPct val="0"/>
+              </a:spcBef>
+              <a:spcAft>
+                <a:spcPct val="0"/>
+              </a:spcAft>
+              <a:defRPr sz="4400">
+                <a:solidFill>
+                  <a:schemeClr val="tx1"/>
+                </a:solidFill>
+                <a:latin typeface="Arial" charset="0"/>
+                <a:cs typeface="Arial" charset="0"/>
+              </a:defRPr>
+            </a:lvl3pPr>
+            <a:lvl4pPr algn="l" rtl="0" eaLnBrk="0" fontAlgn="base" hangingPunct="0">
+              <a:spcBef>
+                <a:spcPct val="0"/>
+              </a:spcBef>
+              <a:spcAft>
+                <a:spcPct val="0"/>
+              </a:spcAft>
+              <a:defRPr sz="4400">
+                <a:solidFill>
+                  <a:schemeClr val="tx1"/>
+                </a:solidFill>
+                <a:latin typeface="Arial" charset="0"/>
+                <a:cs typeface="Arial" charset="0"/>
+              </a:defRPr>
+            </a:lvl4pPr>
+            <a:lvl5pPr algn="l" rtl="0" eaLnBrk="0" fontAlgn="base" hangingPunct="0">
+              <a:spcBef>
+                <a:spcPct val="0"/>
+              </a:spcBef>
+              <a:spcAft>
+                <a:spcPct val="0"/>
+              </a:spcAft>
+              <a:defRPr sz="4400">
+                <a:solidFill>
+                  <a:schemeClr val="tx1"/>
+                </a:solidFill>
+                <a:latin typeface="Arial" charset="0"/>
+                <a:cs typeface="Arial" charset="0"/>
+              </a:defRPr>
+            </a:lvl5pPr>
+            <a:lvl6pPr marL="457200" algn="l" rtl="0" fontAlgn="base">
+              <a:spcBef>
+                <a:spcPct val="0"/>
+              </a:spcBef>
+              <a:spcAft>
+                <a:spcPct val="0"/>
+              </a:spcAft>
+              <a:defRPr sz="4400">
+                <a:solidFill>
+                  <a:schemeClr val="tx1"/>
+                </a:solidFill>
+                <a:latin typeface="Arial" charset="0"/>
+                <a:cs typeface="Arial" charset="0"/>
+              </a:defRPr>
+            </a:lvl6pPr>
+            <a:lvl7pPr marL="914400" algn="l" rtl="0" fontAlgn="base">
+              <a:spcBef>
+                <a:spcPct val="0"/>
+              </a:spcBef>
+              <a:spcAft>
+                <a:spcPct val="0"/>
+              </a:spcAft>
+              <a:defRPr sz="4400">
+                <a:solidFill>
+                  <a:schemeClr val="tx1"/>
+                </a:solidFill>
+                <a:latin typeface="Arial" charset="0"/>
+                <a:cs typeface="Arial" charset="0"/>
+              </a:defRPr>
+            </a:lvl7pPr>
+            <a:lvl8pPr marL="1371600" algn="l" rtl="0" fontAlgn="base">
+              <a:spcBef>
+                <a:spcPct val="0"/>
+              </a:spcBef>
+              <a:spcAft>
+                <a:spcPct val="0"/>
+              </a:spcAft>
+              <a:defRPr sz="4400">
+                <a:solidFill>
+                  <a:schemeClr val="tx1"/>
+                </a:solidFill>
+                <a:latin typeface="Arial" charset="0"/>
+                <a:cs typeface="Arial" charset="0"/>
+              </a:defRPr>
+            </a:lvl8pPr>
+            <a:lvl9pPr marL="1828800" algn="l" rtl="0" fontAlgn="base">
+              <a:spcBef>
+                <a:spcPct val="0"/>
+              </a:spcBef>
+              <a:spcAft>
+                <a:spcPct val="0"/>
+              </a:spcAft>
+              <a:defRPr sz="4400">
+                <a:solidFill>
+                  <a:schemeClr val="tx1"/>
+                </a:solidFill>
+                <a:latin typeface="Arial" charset="0"/>
+                <a:cs typeface="Arial" charset="0"/>
+              </a:defRPr>
+            </a:lvl9pPr>
+          </a:lstStyle>
+          <a:p>
+            <a:pPr algn="ctr"/>
+            <a:endParaRPr lang="es-CO" altLang="es-CO" sz="3600" b="0" dirty="0"/>
+          </a:p>
+        </p:txBody>
+      </p:sp>
+      <p:pic>
+        <p:nvPicPr>
+          <p:cNvPr id="14" name="Picture 4" descr="Programas - Intranet ETITC">
+            <a:extLst>
+              <a:ext uri="{FF2B5EF4-FFF2-40B4-BE49-F238E27FC236}">
+                <a16:creationId xmlns:a16="http://schemas.microsoft.com/office/drawing/2014/main" id="{0954F6EA-A730-99C0-05F9-BE361C302B26}"/>
+              </a:ext>
+            </a:extLst>
+          </p:cNvPr>
+          <p:cNvPicPr>
+            <a:picLocks noChangeAspect="1" noChangeArrowheads="1"/>
+          </p:cNvPicPr>
+          <p:nvPr/>
+        </p:nvPicPr>
+        <p:blipFill>
+          <a:blip r:embed="rId2">
+            <a:extLst>
+              <a:ext uri="{28A0092B-C50C-407E-A947-70E740481C1C}">
+                <a14:useLocalDpi xmlns:a14="http://schemas.microsoft.com/office/drawing/2010/main" val="0"/>
+              </a:ext>
+            </a:extLst>
+          </a:blip>
+          <a:srcRect/>
+          <a:stretch>
+            <a:fillRect/>
+          </a:stretch>
+        </p:blipFill>
+        <p:spPr bwMode="auto">
+          <a:xfrm>
+            <a:off x="795338" y="44758"/>
+            <a:ext cx="2483768" cy="794720"/>
+          </a:xfrm>
+          <a:prstGeom prst="rect">
+            <a:avLst/>
+          </a:prstGeom>
+          <a:noFill/>
+          <a:extLst>
+            <a:ext uri="{909E8E84-426E-40DD-AFC4-6F175D3DCCD1}">
+              <a14:hiddenFill xmlns:a14="http://schemas.microsoft.com/office/drawing/2010/main">
+                <a:solidFill>
+                  <a:srgbClr val="FFFFFF"/>
+                </a:solidFill>
+              </a14:hiddenFill>
+            </a:ext>
+          </a:extLst>
+        </p:spPr>
+      </p:pic>
+      <p:sp>
+        <p:nvSpPr>
+          <p:cNvPr id="3" name="2 Subtítulo">
+            <a:extLst>
+              <a:ext uri="{FF2B5EF4-FFF2-40B4-BE49-F238E27FC236}">
+                <a16:creationId xmlns:a16="http://schemas.microsoft.com/office/drawing/2014/main" id="{B3C4390B-8F72-81B7-3242-7A760673E1EF}"/>
+              </a:ext>
+            </a:extLst>
+          </p:cNvPr>
+          <p:cNvSpPr txBox="1">
+            <a:spLocks/>
+          </p:cNvSpPr>
+          <p:nvPr/>
+        </p:nvSpPr>
+        <p:spPr bwMode="auto">
+          <a:xfrm>
+            <a:off x="1670756" y="2856929"/>
+            <a:ext cx="6400800" cy="1829054"/>
+          </a:xfrm>
+          <a:prstGeom prst="rect">
+            <a:avLst/>
+          </a:prstGeom>
+          <a:noFill/>
+          <a:ln>
+            <a:noFill/>
+          </a:ln>
+          <a:extLst>
+            <a:ext uri="{909E8E84-426E-40DD-AFC4-6F175D3DCCD1}">
+              <a14:hiddenFill xmlns:a14="http://schemas.microsoft.com/office/drawing/2010/main">
+                <a:solidFill>
+                  <a:srgbClr val="FFFFFF"/>
+                </a:solidFill>
+              </a14:hiddenFill>
+            </a:ext>
+            <a:ext uri="{91240B29-F687-4F45-9708-019B960494DF}">
+              <a14:hiddenLine xmlns:a14="http://schemas.microsoft.com/office/drawing/2010/main" w="9525">
+                <a:solidFill>
+                  <a:srgbClr val="000000"/>
+                </a:solidFill>
+                <a:miter lim="800000"/>
+                <a:headEnd/>
+                <a:tailEnd/>
+              </a14:hiddenLine>
+            </a:ext>
+          </a:extLst>
+        </p:spPr>
+        <p:txBody>
+          <a:bodyPr vert="horz" wrap="square" lIns="91440" tIns="45720" rIns="91440" bIns="45720" numCol="1" rtlCol="0" anchor="t" anchorCtr="0" compatLnSpc="1">
+            <a:prstTxWarp prst="textNoShape">
+              <a:avLst/>
+            </a:prstTxWarp>
+            <a:noAutofit/>
+          </a:bodyPr>
+          <a:lstStyle>
+            <a:lvl1pPr marL="342900" indent="-342900" algn="l" rtl="0" eaLnBrk="0" fontAlgn="base" hangingPunct="0">
+              <a:spcBef>
+                <a:spcPct val="20000"/>
+              </a:spcBef>
+              <a:spcAft>
+                <a:spcPct val="0"/>
+              </a:spcAft>
+              <a:buFont typeface="Arial" panose="020B0604020202020204" pitchFamily="34" charset="0"/>
+              <a:buChar char="•"/>
+              <a:defRPr sz="3200" kern="1200">
+                <a:solidFill>
+                  <a:schemeClr val="tx1"/>
+                </a:solidFill>
+                <a:latin typeface="Arial" pitchFamily="34" charset="0"/>
+                <a:ea typeface="+mn-ea"/>
+                <a:cs typeface="Arial" pitchFamily="34" charset="0"/>
+              </a:defRPr>
+            </a:lvl1pPr>
+            <a:lvl2pPr marL="742950" indent="-285750" algn="l" rtl="0" eaLnBrk="0" fontAlgn="base" hangingPunct="0">
+              <a:spcBef>
+                <a:spcPct val="20000"/>
+              </a:spcBef>
+              <a:spcAft>
+                <a:spcPct val="0"/>
+              </a:spcAft>
+              <a:buFont typeface="Arial" panose="020B0604020202020204" pitchFamily="34" charset="0"/>
+              <a:buChar char="–"/>
+              <a:defRPr sz="2800" kern="1200">
+                <a:solidFill>
+                  <a:schemeClr val="tx1"/>
+                </a:solidFill>
+                <a:latin typeface="Arial" pitchFamily="34" charset="0"/>
+                <a:ea typeface="+mn-ea"/>
+                <a:cs typeface="Arial" pitchFamily="34" charset="0"/>
+              </a:defRPr>
+            </a:lvl2pPr>
+            <a:lvl3pPr marL="1143000" indent="-228600" algn="l" rtl="0" eaLnBrk="0" fontAlgn="base" hangingPunct="0">
+              <a:spcBef>
+                <a:spcPct val="20000"/>
+              </a:spcBef>
+              <a:spcAft>
+                <a:spcPct val="0"/>
+              </a:spcAft>
+              <a:buFont typeface="Arial" panose="020B0604020202020204" pitchFamily="34" charset="0"/>
+              <a:buChar char="•"/>
+              <a:defRPr sz="2400" kern="1200">
+                <a:solidFill>
+                  <a:schemeClr val="tx1"/>
+                </a:solidFill>
+                <a:latin typeface="Arial" pitchFamily="34" charset="0"/>
+                <a:ea typeface="+mn-ea"/>
+                <a:cs typeface="Arial" pitchFamily="34" charset="0"/>
+              </a:defRPr>
+            </a:lvl3pPr>
+            <a:lvl4pPr marL="1600200" indent="-228600" algn="l" rtl="0" eaLnBrk="0" fontAlgn="base" hangingPunct="0">
+              <a:spcBef>
+                <a:spcPct val="20000"/>
+              </a:spcBef>
+              <a:spcAft>
+                <a:spcPct val="0"/>
+              </a:spcAft>
+              <a:buFont typeface="Arial" panose="020B0604020202020204" pitchFamily="34" charset="0"/>
+              <a:buChar char="–"/>
+              <a:defRPr sz="2000" kern="1200">
+                <a:solidFill>
+                  <a:schemeClr val="tx1"/>
+                </a:solidFill>
+                <a:latin typeface="Arial" pitchFamily="34" charset="0"/>
+                <a:ea typeface="+mn-ea"/>
+                <a:cs typeface="Arial" pitchFamily="34" charset="0"/>
+              </a:defRPr>
+            </a:lvl4pPr>
+            <a:lvl5pPr marL="2057400" indent="-228600" algn="l" rtl="0" eaLnBrk="0" fontAlgn="base" hangingPunct="0">
+              <a:spcBef>
+                <a:spcPct val="20000"/>
+              </a:spcBef>
+              <a:spcAft>
+                <a:spcPct val="0"/>
+              </a:spcAft>
+              <a:buFont typeface="Arial" panose="020B0604020202020204" pitchFamily="34" charset="0"/>
+              <a:buChar char="»"/>
+              <a:defRPr sz="2000" kern="1200">
+                <a:solidFill>
+                  <a:schemeClr val="tx1"/>
+                </a:solidFill>
+                <a:latin typeface="Arial" pitchFamily="34" charset="0"/>
+                <a:ea typeface="+mn-ea"/>
+                <a:cs typeface="Arial" pitchFamily="34" charset="0"/>
+              </a:defRPr>
+            </a:lvl5pPr>
+            <a:lvl6pPr marL="2514600" indent="-228600" algn="l" defTabSz="914400" rtl="0" eaLnBrk="1" latinLnBrk="0" hangingPunct="1">
+              <a:spcBef>
+                <a:spcPct val="20000"/>
+              </a:spcBef>
+              <a:buFont typeface="Arial" pitchFamily="34" charset="0"/>
+              <a:buChar char="•"/>
+              <a:defRPr sz="2000" kern="1200">
+                <a:solidFill>
+                  <a:schemeClr val="tx1"/>
+                </a:solidFill>
+                <a:latin typeface="+mn-lt"/>
+                <a:ea typeface="+mn-ea"/>
+                <a:cs typeface="+mn-cs"/>
+              </a:defRPr>
+            </a:lvl6pPr>
+            <a:lvl7pPr marL="2971800" indent="-228600" algn="l" defTabSz="914400" rtl="0" eaLnBrk="1" latinLnBrk="0" hangingPunct="1">
+              <a:spcBef>
+                <a:spcPct val="20000"/>
+              </a:spcBef>
+              <a:buFont typeface="Arial" pitchFamily="34" charset="0"/>
+              <a:buChar char="•"/>
+              <a:defRPr sz="2000" kern="1200">
+                <a:solidFill>
+                  <a:schemeClr val="tx1"/>
+                </a:solidFill>
+                <a:latin typeface="+mn-lt"/>
+                <a:ea typeface="+mn-ea"/>
+                <a:cs typeface="+mn-cs"/>
+              </a:defRPr>
+            </a:lvl7pPr>
+            <a:lvl8pPr marL="3429000" indent="-228600" algn="l" defTabSz="914400" rtl="0" eaLnBrk="1" latinLnBrk="0" hangingPunct="1">
+              <a:spcBef>
+                <a:spcPct val="20000"/>
+              </a:spcBef>
+              <a:buFont typeface="Arial" pitchFamily="34" charset="0"/>
+              <a:buChar char="•"/>
+              <a:defRPr sz="2000" kern="1200">
+                <a:solidFill>
+                  <a:schemeClr val="tx1"/>
+                </a:solidFill>
+                <a:latin typeface="+mn-lt"/>
+                <a:ea typeface="+mn-ea"/>
+                <a:cs typeface="+mn-cs"/>
+              </a:defRPr>
+            </a:lvl8pPr>
+            <a:lvl9pPr marL="3886200" indent="-228600" algn="l" defTabSz="914400" rtl="0" eaLnBrk="1" latinLnBrk="0" hangingPunct="1">
+              <a:spcBef>
+                <a:spcPct val="20000"/>
+              </a:spcBef>
+              <a:buFont typeface="Arial" pitchFamily="34" charset="0"/>
+              <a:buChar char="•"/>
+              <a:defRPr sz="2000" kern="1200">
+                <a:solidFill>
+                  <a:schemeClr val="tx1"/>
+                </a:solidFill>
+                <a:latin typeface="+mn-lt"/>
+                <a:ea typeface="+mn-ea"/>
+                <a:cs typeface="+mn-cs"/>
+              </a:defRPr>
+            </a:lvl9pPr>
+          </a:lstStyle>
+          <a:p>
+            <a:pPr marL="0" indent="0">
+              <a:spcAft>
+                <a:spcPts val="0"/>
+              </a:spcAft>
+              <a:buNone/>
+              <a:defRPr/>
+            </a:pPr>
+            <a:r>
+              <a:rPr lang="es-CO" sz="2000" b="1" dirty="0">
+                <a:solidFill>
+                  <a:schemeClr val="tx1">
+                    <a:lumMod val="75000"/>
+                    <a:lumOff val="25000"/>
+                  </a:schemeClr>
+                </a:solidFill>
+                <a:latin typeface="Arial"/>
+                <a:cs typeface="Arial"/>
+              </a:rPr>
+              <a:t>Ejercicio</a:t>
+            </a:r>
+          </a:p>
+          <a:p>
+            <a:pPr marL="0" indent="0">
+              <a:spcAft>
+                <a:spcPts val="0"/>
+              </a:spcAft>
+              <a:buNone/>
+              <a:defRPr/>
+            </a:pPr>
+            <a:r>
+              <a:rPr lang="es-CO" sz="2000" dirty="0">
+                <a:solidFill>
+                  <a:schemeClr val="tx1">
+                    <a:lumMod val="75000"/>
+                    <a:lumOff val="25000"/>
+                  </a:schemeClr>
+                </a:solidFill>
+                <a:latin typeface="Arial"/>
+                <a:cs typeface="Arial"/>
+              </a:rPr>
+              <a:t>Para la investigación “</a:t>
+            </a:r>
+            <a:r>
+              <a:rPr lang="en-US" sz="2000" dirty="0">
+                <a:solidFill>
+                  <a:schemeClr val="tx1">
+                    <a:lumMod val="75000"/>
+                    <a:lumOff val="25000"/>
+                  </a:schemeClr>
+                </a:solidFill>
+                <a:latin typeface="Arial"/>
+                <a:cs typeface="Arial"/>
+              </a:rPr>
+              <a:t>Lightweight Helmet Detection Algorithm Using an Improved YOLOv4</a:t>
+            </a:r>
+            <a:r>
+              <a:rPr lang="es-CO" sz="2000">
+                <a:solidFill>
+                  <a:schemeClr val="tx1">
+                    <a:lumMod val="75000"/>
+                    <a:lumOff val="25000"/>
+                  </a:schemeClr>
+                </a:solidFill>
+                <a:latin typeface="Arial"/>
+                <a:cs typeface="Arial"/>
+              </a:rPr>
+              <a:t>”  identifique el estado del arte</a:t>
+            </a:r>
+            <a:endParaRPr lang="es-CO" sz="2000" dirty="0">
+              <a:solidFill>
+                <a:schemeClr val="tx1">
+                  <a:lumMod val="75000"/>
+                  <a:lumOff val="25000"/>
+                </a:schemeClr>
+              </a:solidFill>
+              <a:latin typeface="Arial"/>
+              <a:cs typeface="Arial"/>
+            </a:endParaRPr>
+          </a:p>
+        </p:txBody>
+      </p:sp>
+      <p:sp>
+        <p:nvSpPr>
+          <p:cNvPr id="4" name="1 Título">
+            <a:extLst>
+              <a:ext uri="{FF2B5EF4-FFF2-40B4-BE49-F238E27FC236}">
+                <a16:creationId xmlns:a16="http://schemas.microsoft.com/office/drawing/2014/main" id="{A7D8C578-FE3A-5B5B-4D0C-D51EC3D89DE5}"/>
+              </a:ext>
+            </a:extLst>
+          </p:cNvPr>
+          <p:cNvSpPr txBox="1">
+            <a:spLocks/>
+          </p:cNvSpPr>
+          <p:nvPr/>
+        </p:nvSpPr>
+        <p:spPr bwMode="auto">
+          <a:xfrm>
+            <a:off x="152400" y="123825"/>
+            <a:ext cx="779463" cy="720725"/>
+          </a:xfrm>
+          <a:prstGeom prst="rect">
+            <a:avLst/>
+          </a:prstGeom>
+          <a:noFill/>
+          <a:ln>
+            <a:noFill/>
+          </a:ln>
+          <a:extLst>
+            <a:ext uri="{909E8E84-426E-40DD-AFC4-6F175D3DCCD1}">
+              <a14:hiddenFill xmlns:a14="http://schemas.microsoft.com/office/drawing/2010/main">
+                <a:solidFill>
+                  <a:srgbClr val="FFFFFF"/>
+                </a:solidFill>
+              </a14:hiddenFill>
+            </a:ext>
+            <a:ext uri="{91240B29-F687-4F45-9708-019B960494DF}">
+              <a14:hiddenLine xmlns:a14="http://schemas.microsoft.com/office/drawing/2010/main" w="9525">
+                <a:solidFill>
+                  <a:srgbClr val="000000"/>
+                </a:solidFill>
+                <a:miter lim="800000"/>
+                <a:headEnd/>
+                <a:tailEnd/>
+              </a14:hiddenLine>
+            </a:ext>
+          </a:extLst>
+        </p:spPr>
+        <p:txBody>
+          <a:bodyPr vert="horz" wrap="square" lIns="91440" tIns="45720" rIns="91440" bIns="45720" numCol="1" anchor="b" anchorCtr="0" compatLnSpc="1">
+            <a:prstTxWarp prst="textNoShape">
+              <a:avLst/>
+            </a:prstTxWarp>
+          </a:bodyPr>
+          <a:lstStyle>
+            <a:lvl1pPr algn="l" rtl="0" eaLnBrk="0" fontAlgn="base" hangingPunct="0">
+              <a:spcBef>
+                <a:spcPct val="0"/>
+              </a:spcBef>
+              <a:spcAft>
+                <a:spcPct val="0"/>
+              </a:spcAft>
+              <a:defRPr sz="2000" b="1" kern="1200">
+                <a:solidFill>
+                  <a:schemeClr val="tx1"/>
+                </a:solidFill>
+                <a:latin typeface="Arial" pitchFamily="34" charset="0"/>
+                <a:ea typeface="+mj-ea"/>
+                <a:cs typeface="Arial" pitchFamily="34" charset="0"/>
+              </a:defRPr>
+            </a:lvl1pPr>
+            <a:lvl2pPr algn="l" rtl="0" eaLnBrk="0" fontAlgn="base" hangingPunct="0">
+              <a:spcBef>
+                <a:spcPct val="0"/>
+              </a:spcBef>
+              <a:spcAft>
+                <a:spcPct val="0"/>
+              </a:spcAft>
+              <a:defRPr sz="4400">
+                <a:solidFill>
+                  <a:schemeClr val="tx1"/>
+                </a:solidFill>
+                <a:latin typeface="Arial" charset="0"/>
+                <a:cs typeface="Arial" charset="0"/>
+              </a:defRPr>
+            </a:lvl2pPr>
+            <a:lvl3pPr algn="l" rtl="0" eaLnBrk="0" fontAlgn="base" hangingPunct="0">
+              <a:spcBef>
+                <a:spcPct val="0"/>
+              </a:spcBef>
+              <a:spcAft>
+                <a:spcPct val="0"/>
+              </a:spcAft>
+              <a:defRPr sz="4400">
+                <a:solidFill>
+                  <a:schemeClr val="tx1"/>
+                </a:solidFill>
+                <a:latin typeface="Arial" charset="0"/>
+                <a:cs typeface="Arial" charset="0"/>
+              </a:defRPr>
+            </a:lvl3pPr>
+            <a:lvl4pPr algn="l" rtl="0" eaLnBrk="0" fontAlgn="base" hangingPunct="0">
+              <a:spcBef>
+                <a:spcPct val="0"/>
+              </a:spcBef>
+              <a:spcAft>
+                <a:spcPct val="0"/>
+              </a:spcAft>
+              <a:defRPr sz="4400">
+                <a:solidFill>
+                  <a:schemeClr val="tx1"/>
+                </a:solidFill>
+                <a:latin typeface="Arial" charset="0"/>
+                <a:cs typeface="Arial" charset="0"/>
+              </a:defRPr>
+            </a:lvl4pPr>
+            <a:lvl5pPr algn="l" rtl="0" eaLnBrk="0" fontAlgn="base" hangingPunct="0">
+              <a:spcBef>
+                <a:spcPct val="0"/>
+              </a:spcBef>
+              <a:spcAft>
+                <a:spcPct val="0"/>
+              </a:spcAft>
+              <a:defRPr sz="4400">
+                <a:solidFill>
+                  <a:schemeClr val="tx1"/>
+                </a:solidFill>
+                <a:latin typeface="Arial" charset="0"/>
+                <a:cs typeface="Arial" charset="0"/>
+              </a:defRPr>
+            </a:lvl5pPr>
+            <a:lvl6pPr marL="457200" algn="l" rtl="0" fontAlgn="base">
+              <a:spcBef>
+                <a:spcPct val="0"/>
+              </a:spcBef>
+              <a:spcAft>
+                <a:spcPct val="0"/>
+              </a:spcAft>
+              <a:defRPr sz="4400">
+                <a:solidFill>
+                  <a:schemeClr val="tx1"/>
+                </a:solidFill>
+                <a:latin typeface="Arial" charset="0"/>
+                <a:cs typeface="Arial" charset="0"/>
+              </a:defRPr>
+            </a:lvl6pPr>
+            <a:lvl7pPr marL="914400" algn="l" rtl="0" fontAlgn="base">
+              <a:spcBef>
+                <a:spcPct val="0"/>
+              </a:spcBef>
+              <a:spcAft>
+                <a:spcPct val="0"/>
+              </a:spcAft>
+              <a:defRPr sz="4400">
+                <a:solidFill>
+                  <a:schemeClr val="tx1"/>
+                </a:solidFill>
+                <a:latin typeface="Arial" charset="0"/>
+                <a:cs typeface="Arial" charset="0"/>
+              </a:defRPr>
+            </a:lvl7pPr>
+            <a:lvl8pPr marL="1371600" algn="l" rtl="0" fontAlgn="base">
+              <a:spcBef>
+                <a:spcPct val="0"/>
+              </a:spcBef>
+              <a:spcAft>
+                <a:spcPct val="0"/>
+              </a:spcAft>
+              <a:defRPr sz="4400">
+                <a:solidFill>
+                  <a:schemeClr val="tx1"/>
+                </a:solidFill>
+                <a:latin typeface="Arial" charset="0"/>
+                <a:cs typeface="Arial" charset="0"/>
+              </a:defRPr>
+            </a:lvl8pPr>
+            <a:lvl9pPr marL="1828800" algn="l" rtl="0" fontAlgn="base">
+              <a:spcBef>
+                <a:spcPct val="0"/>
+              </a:spcBef>
+              <a:spcAft>
+                <a:spcPct val="0"/>
+              </a:spcAft>
+              <a:defRPr sz="4400">
+                <a:solidFill>
+                  <a:schemeClr val="tx1"/>
+                </a:solidFill>
+                <a:latin typeface="Arial" charset="0"/>
+                <a:cs typeface="Arial" charset="0"/>
+              </a:defRPr>
+            </a:lvl9pPr>
+          </a:lstStyle>
+          <a:p>
+            <a:pPr algn="ctr"/>
+            <a:r>
+              <a:rPr lang="es-CO" altLang="es-CO" sz="3600" b="0" dirty="0"/>
+              <a:t>17</a:t>
+            </a:r>
+          </a:p>
+        </p:txBody>
+      </p:sp>
+      <p:sp>
+        <p:nvSpPr>
+          <p:cNvPr id="5" name="2 Subtítulo">
+            <a:extLst>
+              <a:ext uri="{FF2B5EF4-FFF2-40B4-BE49-F238E27FC236}">
+                <a16:creationId xmlns:a16="http://schemas.microsoft.com/office/drawing/2014/main" id="{7923937C-4022-625B-5CB9-BD8FEA9F853E}"/>
+              </a:ext>
+            </a:extLst>
+          </p:cNvPr>
+          <p:cNvSpPr txBox="1">
+            <a:spLocks/>
+          </p:cNvSpPr>
+          <p:nvPr/>
+        </p:nvSpPr>
+        <p:spPr bwMode="auto">
+          <a:xfrm>
+            <a:off x="2664496" y="81755"/>
+            <a:ext cx="6400800" cy="500063"/>
+          </a:xfrm>
+          <a:prstGeom prst="rect">
+            <a:avLst/>
+          </a:prstGeom>
+          <a:noFill/>
+          <a:ln>
+            <a:noFill/>
+          </a:ln>
+          <a:extLst>
+            <a:ext uri="{909E8E84-426E-40DD-AFC4-6F175D3DCCD1}">
+              <a14:hiddenFill xmlns:a14="http://schemas.microsoft.com/office/drawing/2010/main">
+                <a:solidFill>
+                  <a:srgbClr val="FFFFFF"/>
+                </a:solidFill>
+              </a14:hiddenFill>
+            </a:ext>
+            <a:ext uri="{91240B29-F687-4F45-9708-019B960494DF}">
+              <a14:hiddenLine xmlns:a14="http://schemas.microsoft.com/office/drawing/2010/main" w="9525">
+                <a:solidFill>
+                  <a:srgbClr val="000000"/>
+                </a:solidFill>
+                <a:miter lim="800000"/>
+                <a:headEnd/>
+                <a:tailEnd/>
+              </a14:hiddenLine>
+            </a:ext>
+          </a:extLst>
+        </p:spPr>
+        <p:txBody>
+          <a:bodyPr vert="horz" wrap="square" lIns="91440" tIns="45720" rIns="91440" bIns="45720" numCol="1" rtlCol="0" anchor="t" anchorCtr="0" compatLnSpc="1">
+            <a:prstTxWarp prst="textNoShape">
+              <a:avLst/>
+            </a:prstTxWarp>
+            <a:noAutofit/>
+          </a:bodyPr>
+          <a:lstStyle>
+            <a:lvl1pPr marL="342900" indent="-342900" algn="l" rtl="0" eaLnBrk="0" fontAlgn="base" hangingPunct="0">
+              <a:spcBef>
+                <a:spcPct val="20000"/>
+              </a:spcBef>
+              <a:spcAft>
+                <a:spcPct val="0"/>
+              </a:spcAft>
+              <a:buFont typeface="Arial" panose="020B0604020202020204" pitchFamily="34" charset="0"/>
+              <a:buChar char="•"/>
+              <a:defRPr sz="3200" kern="1200">
+                <a:solidFill>
+                  <a:schemeClr val="tx1"/>
+                </a:solidFill>
+                <a:latin typeface="Arial" pitchFamily="34" charset="0"/>
+                <a:ea typeface="+mn-ea"/>
+                <a:cs typeface="Arial" pitchFamily="34" charset="0"/>
+              </a:defRPr>
+            </a:lvl1pPr>
+            <a:lvl2pPr marL="742950" indent="-285750" algn="l" rtl="0" eaLnBrk="0" fontAlgn="base" hangingPunct="0">
+              <a:spcBef>
+                <a:spcPct val="20000"/>
+              </a:spcBef>
+              <a:spcAft>
+                <a:spcPct val="0"/>
+              </a:spcAft>
+              <a:buFont typeface="Arial" panose="020B0604020202020204" pitchFamily="34" charset="0"/>
+              <a:buChar char="–"/>
+              <a:defRPr sz="2800" kern="1200">
+                <a:solidFill>
+                  <a:schemeClr val="tx1"/>
+                </a:solidFill>
+                <a:latin typeface="Arial" pitchFamily="34" charset="0"/>
+                <a:ea typeface="+mn-ea"/>
+                <a:cs typeface="Arial" pitchFamily="34" charset="0"/>
+              </a:defRPr>
+            </a:lvl2pPr>
+            <a:lvl3pPr marL="1143000" indent="-228600" algn="l" rtl="0" eaLnBrk="0" fontAlgn="base" hangingPunct="0">
+              <a:spcBef>
+                <a:spcPct val="20000"/>
+              </a:spcBef>
+              <a:spcAft>
+                <a:spcPct val="0"/>
+              </a:spcAft>
+              <a:buFont typeface="Arial" panose="020B0604020202020204" pitchFamily="34" charset="0"/>
+              <a:buChar char="•"/>
+              <a:defRPr sz="2400" kern="1200">
+                <a:solidFill>
+                  <a:schemeClr val="tx1"/>
+                </a:solidFill>
+                <a:latin typeface="Arial" pitchFamily="34" charset="0"/>
+                <a:ea typeface="+mn-ea"/>
+                <a:cs typeface="Arial" pitchFamily="34" charset="0"/>
+              </a:defRPr>
+            </a:lvl3pPr>
+            <a:lvl4pPr marL="1600200" indent="-228600" algn="l" rtl="0" eaLnBrk="0" fontAlgn="base" hangingPunct="0">
+              <a:spcBef>
+                <a:spcPct val="20000"/>
+              </a:spcBef>
+              <a:spcAft>
+                <a:spcPct val="0"/>
+              </a:spcAft>
+              <a:buFont typeface="Arial" panose="020B0604020202020204" pitchFamily="34" charset="0"/>
+              <a:buChar char="–"/>
+              <a:defRPr sz="2000" kern="1200">
+                <a:solidFill>
+                  <a:schemeClr val="tx1"/>
+                </a:solidFill>
+                <a:latin typeface="Arial" pitchFamily="34" charset="0"/>
+                <a:ea typeface="+mn-ea"/>
+                <a:cs typeface="Arial" pitchFamily="34" charset="0"/>
+              </a:defRPr>
+            </a:lvl4pPr>
+            <a:lvl5pPr marL="2057400" indent="-228600" algn="l" rtl="0" eaLnBrk="0" fontAlgn="base" hangingPunct="0">
+              <a:spcBef>
+                <a:spcPct val="20000"/>
+              </a:spcBef>
+              <a:spcAft>
+                <a:spcPct val="0"/>
+              </a:spcAft>
+              <a:buFont typeface="Arial" panose="020B0604020202020204" pitchFamily="34" charset="0"/>
+              <a:buChar char="»"/>
+              <a:defRPr sz="2000" kern="1200">
+                <a:solidFill>
+                  <a:schemeClr val="tx1"/>
+                </a:solidFill>
+                <a:latin typeface="Arial" pitchFamily="34" charset="0"/>
+                <a:ea typeface="+mn-ea"/>
+                <a:cs typeface="Arial" pitchFamily="34" charset="0"/>
+              </a:defRPr>
+            </a:lvl5pPr>
+            <a:lvl6pPr marL="2514600" indent="-228600" algn="l" defTabSz="914400" rtl="0" eaLnBrk="1" latinLnBrk="0" hangingPunct="1">
+              <a:spcBef>
+                <a:spcPct val="20000"/>
+              </a:spcBef>
+              <a:buFont typeface="Arial" pitchFamily="34" charset="0"/>
+              <a:buChar char="•"/>
+              <a:defRPr sz="2000" kern="1200">
+                <a:solidFill>
+                  <a:schemeClr val="tx1"/>
+                </a:solidFill>
+                <a:latin typeface="+mn-lt"/>
+                <a:ea typeface="+mn-ea"/>
+                <a:cs typeface="+mn-cs"/>
+              </a:defRPr>
+            </a:lvl6pPr>
+            <a:lvl7pPr marL="2971800" indent="-228600" algn="l" defTabSz="914400" rtl="0" eaLnBrk="1" latinLnBrk="0" hangingPunct="1">
+              <a:spcBef>
+                <a:spcPct val="20000"/>
+              </a:spcBef>
+              <a:buFont typeface="Arial" pitchFamily="34" charset="0"/>
+              <a:buChar char="•"/>
+              <a:defRPr sz="2000" kern="1200">
+                <a:solidFill>
+                  <a:schemeClr val="tx1"/>
+                </a:solidFill>
+                <a:latin typeface="+mn-lt"/>
+                <a:ea typeface="+mn-ea"/>
+                <a:cs typeface="+mn-cs"/>
+              </a:defRPr>
+            </a:lvl7pPr>
+            <a:lvl8pPr marL="3429000" indent="-228600" algn="l" defTabSz="914400" rtl="0" eaLnBrk="1" latinLnBrk="0" hangingPunct="1">
+              <a:spcBef>
+                <a:spcPct val="20000"/>
+              </a:spcBef>
+              <a:buFont typeface="Arial" pitchFamily="34" charset="0"/>
+              <a:buChar char="•"/>
+              <a:defRPr sz="2000" kern="1200">
+                <a:solidFill>
+                  <a:schemeClr val="tx1"/>
+                </a:solidFill>
+                <a:latin typeface="+mn-lt"/>
+                <a:ea typeface="+mn-ea"/>
+                <a:cs typeface="+mn-cs"/>
+              </a:defRPr>
+            </a:lvl8pPr>
+            <a:lvl9pPr marL="3886200" indent="-228600" algn="l" defTabSz="914400" rtl="0" eaLnBrk="1" latinLnBrk="0" hangingPunct="1">
+              <a:spcBef>
+                <a:spcPct val="20000"/>
+              </a:spcBef>
+              <a:buFont typeface="Arial" pitchFamily="34" charset="0"/>
+              <a:buChar char="•"/>
+              <a:defRPr sz="2000" kern="1200">
+                <a:solidFill>
+                  <a:schemeClr val="tx1"/>
+                </a:solidFill>
+                <a:latin typeface="+mn-lt"/>
+                <a:ea typeface="+mn-ea"/>
+                <a:cs typeface="+mn-cs"/>
+              </a:defRPr>
+            </a:lvl9pPr>
+          </a:lstStyle>
+          <a:p>
+            <a:pPr marL="0" indent="0" algn="r" eaLnBrk="1" fontAlgn="auto" hangingPunct="1">
+              <a:spcAft>
+                <a:spcPts val="0"/>
+              </a:spcAft>
+              <a:buNone/>
+              <a:defRPr/>
+            </a:pPr>
+            <a:r>
+              <a:rPr lang="es-CO" sz="2000" b="1" dirty="0">
+                <a:solidFill>
+                  <a:schemeClr val="tx1">
+                    <a:lumMod val="75000"/>
+                    <a:lumOff val="25000"/>
+                  </a:schemeClr>
+                </a:solidFill>
+                <a:latin typeface="Arial"/>
+                <a:cs typeface="Arial"/>
+              </a:rPr>
+              <a:t>PROYECTO DE INVESTIGACIÓN I</a:t>
+            </a:r>
+            <a:endParaRPr lang="es-CO" sz="2000" b="1" dirty="0">
+              <a:solidFill>
+                <a:schemeClr val="tx1">
+                  <a:lumMod val="75000"/>
+                  <a:lumOff val="25000"/>
+                </a:schemeClr>
+              </a:solidFill>
+            </a:endParaRPr>
+          </a:p>
+        </p:txBody>
+      </p:sp>
+    </p:spTree>
+    <p:extLst>
+      <p:ext uri="{BB962C8B-B14F-4D97-AF65-F5344CB8AC3E}">
+        <p14:creationId xmlns:p14="http://schemas.microsoft.com/office/powerpoint/2010/main" val="3484515760"/>
       </p:ext>
     </p:extLst>
   </p:cSld>
@@ -26809,20 +27828,20 @@
 </file>
 
 <file path=customXml/item1.xml><?xml version="1.0" encoding="utf-8"?>
-<p:properties xmlns:p="http://schemas.microsoft.com/office/2006/metadata/properties" xmlns:xsi="http://www.w3.org/2001/XMLSchema-instance" xmlns:pc="http://schemas.microsoft.com/office/infopath/2007/PartnerControls">
-  <documentManagement>
-    <_activity xmlns="bdc56f61-abc0-4f7e-bfec-a93ccd1ae886" xsi:nil="true"/>
-  </documentManagement>
-</p:properties>
-</file>
-
-<file path=customXml/item2.xml><?xml version="1.0" encoding="utf-8"?>
 <?mso-contentType ?>
 <FormTemplates xmlns="http://schemas.microsoft.com/sharepoint/v3/contenttype/forms">
   <Display>DocumentLibraryForm</Display>
   <Edit>DocumentLibraryForm</Edit>
   <New>DocumentLibraryForm</New>
 </FormTemplates>
+</file>
+
+<file path=customXml/item2.xml><?xml version="1.0" encoding="utf-8"?>
+<p:properties xmlns:p="http://schemas.microsoft.com/office/2006/metadata/properties" xmlns:xsi="http://www.w3.org/2001/XMLSchema-instance" xmlns:pc="http://schemas.microsoft.com/office/infopath/2007/PartnerControls">
+  <documentManagement>
+    <_activity xmlns="bdc56f61-abc0-4f7e-bfec-a93ccd1ae886" xsi:nil="true"/>
+  </documentManagement>
+</p:properties>
 </file>
 
 <file path=customXml/item3.xml><?xml version="1.0" encoding="utf-8"?>
@@ -27061,6 +28080,14 @@
 </file>
 
 <file path=customXml/itemProps1.xml><?xml version="1.0" encoding="utf-8"?>
+<ds:datastoreItem xmlns:ds="http://schemas.openxmlformats.org/officeDocument/2006/customXml" ds:itemID="{4E8623C8-32E1-48B0-9F0A-13F2E9582B7E}">
+  <ds:schemaRefs>
+    <ds:schemaRef ds:uri="http://schemas.microsoft.com/sharepoint/v3/contenttype/forms"/>
+  </ds:schemaRefs>
+</ds:datastoreItem>
+</file>
+
+<file path=customXml/itemProps2.xml><?xml version="1.0" encoding="utf-8"?>
 <ds:datastoreItem xmlns:ds="http://schemas.openxmlformats.org/officeDocument/2006/customXml" ds:itemID="{0825853C-1B27-4995-A583-4D39F900BB7F}">
   <ds:schemaRefs>
     <ds:schemaRef ds:uri="http://schemas.microsoft.com/office/2006/documentManagement/types"/>
@@ -27073,14 +28100,6 @@
     <ds:schemaRef ds:uri="bdc56f61-abc0-4f7e-bfec-a93ccd1ae886"/>
     <ds:schemaRef ds:uri="http://schemas.microsoft.com/office/2006/metadata/properties"/>
     <ds:schemaRef ds:uri="http://www.w3.org/XML/1998/namespace"/>
-  </ds:schemaRefs>
-</ds:datastoreItem>
-</file>
-
-<file path=customXml/itemProps2.xml><?xml version="1.0" encoding="utf-8"?>
-<ds:datastoreItem xmlns:ds="http://schemas.openxmlformats.org/officeDocument/2006/customXml" ds:itemID="{4E8623C8-32E1-48B0-9F0A-13F2E9582B7E}">
-  <ds:schemaRefs>
-    <ds:schemaRef ds:uri="http://schemas.microsoft.com/sharepoint/v3/contenttype/forms"/>
   </ds:schemaRefs>
 </ds:datastoreItem>
 </file>
